--- a/final project.pptx
+++ b/final project.pptx
@@ -3846,6 +3846,16 @@
               <a:t>2021.12.2</a:t>
             </a:r>
           </a:p>
+          <a:p>
+            <a:r>
+              <a:rPr lang="en-US" dirty="0" err="1"/>
+              <a:t>Xingyue</a:t>
+            </a:r>
+            <a:r>
+              <a:rPr lang="en-US" dirty="0"/>
+              <a:t> Claire Zhu</a:t>
+            </a:r>
+          </a:p>
         </p:txBody>
       </p:sp>
     </p:spTree>
@@ -4814,7 +4824,7 @@
           <a:p>
             <a:r>
               <a:rPr lang="en-US" dirty="0"/>
-              <a:t>Prediction performance in training set</a:t>
+              <a:t>Prediction performance in cross validation</a:t>
             </a:r>
           </a:p>
         </p:txBody>
@@ -5564,7 +5574,7 @@
           <a:p>
             <a:r>
               <a:rPr lang="en-US" dirty="0"/>
-              <a:t>The higher the importance value means the feature provides more help to the regression. A negative importance value means that feature makes the loss go up, which indicates that your model is not getting good use of this feature. </a:t>
+              <a:t>The higher the importance score means the feature provides more help to the regression. A negative importance value means that feature makes the loss go up, which indicates that your model is not getting good use of this feature. </a:t>
             </a:r>
           </a:p>
         </p:txBody>
@@ -6183,7 +6193,7 @@
                 </a:solidFill>
                 <a:latin typeface="SF Pro Text"/>
               </a:rPr>
-              <a:t> ridge regression is 1, the </a:t>
+              <a:t> ridge regression is 0, the </a:t>
             </a:r>
             <a:r>
               <a:rPr lang="en-US" dirty="0"/>
